--- a/Presentations/VIBE_poster.pptx
+++ b/Presentations/VIBE_poster.pptx
@@ -9,13 +9,14 @@
     <p:sldMasterId id="2147483756" r:id="rId5"/>
   </p:sldMasterIdLst>
   <p:notesMasterIdLst>
-    <p:notesMasterId r:id="rId7"/>
+    <p:notesMasterId r:id="rId8"/>
   </p:notesMasterIdLst>
   <p:handoutMasterIdLst>
-    <p:handoutMasterId r:id="rId8"/>
+    <p:handoutMasterId r:id="rId9"/>
   </p:handoutMasterIdLst>
   <p:sldIdLst>
     <p:sldId id="258" r:id="rId6"/>
+    <p:sldId id="259" r:id="rId7"/>
   </p:sldIdLst>
   <p:sldSz cx="12192000" cy="6858000"/>
   <p:notesSz cx="6858000" cy="9144000"/>
@@ -12323,7 +12324,7 @@
         </p:blipFill>
         <p:spPr>
           <a:xfrm>
-            <a:off x="2432502" y="3901636"/>
+            <a:off x="1388406" y="3901636"/>
             <a:ext cx="2625273" cy="2109791"/>
           </a:xfrm>
           <a:prstGeom prst="rect">
@@ -12669,6 +12670,421 @@
                                         </p:tgtEl>
                                       </p:cBhvr>
                                     </p:animEffect>
+                                  </p:childTnLst>
+                                </p:cTn>
+                              </p:par>
+                            </p:childTnLst>
+                          </p:cTn>
+                        </p:par>
+                      </p:childTnLst>
+                    </p:cTn>
+                  </p:par>
+                </p:childTnLst>
+              </p:cTn>
+              <p:prevCondLst>
+                <p:cond evt="onPrev" delay="0">
+                  <p:tgtEl>
+                    <p:sldTgt/>
+                  </p:tgtEl>
+                </p:cond>
+              </p:prevCondLst>
+              <p:nextCondLst>
+                <p:cond evt="onNext" delay="0">
+                  <p:tgtEl>
+                    <p:sldTgt/>
+                  </p:tgtEl>
+                </p:cond>
+              </p:nextCondLst>
+            </p:seq>
+          </p:childTnLst>
+        </p:cTn>
+      </p:par>
+    </p:tnLst>
+  </p:timing>
+</p:sld>
+</file>
+
+<file path=ppt/slides/slide2.xml><?xml version="1.0" encoding="utf-8"?>
+<p:sld xmlns:a="http://schemas.openxmlformats.org/drawingml/2006/main" xmlns:r="http://schemas.openxmlformats.org/officeDocument/2006/relationships" xmlns:p="http://schemas.openxmlformats.org/presentationml/2006/main">
+  <p:cSld>
+    <p:spTree>
+      <p:nvGrpSpPr>
+        <p:cNvPr id="1" name=""/>
+        <p:cNvGrpSpPr/>
+        <p:nvPr/>
+      </p:nvGrpSpPr>
+      <p:grpSpPr>
+        <a:xfrm>
+          <a:off x="0" y="0"/>
+          <a:ext cx="0" cy="0"/>
+          <a:chOff x="0" y="0"/>
+          <a:chExt cx="0" cy="0"/>
+        </a:xfrm>
+      </p:grpSpPr>
+      <p:pic>
+        <p:nvPicPr>
+          <p:cNvPr id="2" name="Picture 1">
+            <a:extLst>
+              <a:ext uri="{FF2B5EF4-FFF2-40B4-BE49-F238E27FC236}">
+                <a16:creationId xmlns:a16="http://schemas.microsoft.com/office/drawing/2014/main" id="{2A4B58B9-E44B-5F15-798B-E0E67091758F}"/>
+              </a:ext>
+            </a:extLst>
+          </p:cNvPr>
+          <p:cNvPicPr/>
+          <p:nvPr/>
+        </p:nvPicPr>
+        <p:blipFill>
+          <a:blip r:embed="rId2"/>
+          <a:stretch/>
+        </p:blipFill>
+        <p:spPr>
+          <a:xfrm>
+            <a:off x="213355" y="2069430"/>
+            <a:ext cx="4984287" cy="3137545"/>
+          </a:xfrm>
+          <a:prstGeom prst="rect">
+            <a:avLst/>
+          </a:prstGeom>
+          <a:ln>
+            <a:noFill/>
+          </a:ln>
+        </p:spPr>
+      </p:pic>
+      <p:pic>
+        <p:nvPicPr>
+          <p:cNvPr id="3" name="Picture 481">
+            <a:extLst>
+              <a:ext uri="{FF2B5EF4-FFF2-40B4-BE49-F238E27FC236}">
+                <a16:creationId xmlns:a16="http://schemas.microsoft.com/office/drawing/2014/main" id="{FE40CE63-9AE7-AD39-078C-B8F783F0F146}"/>
+              </a:ext>
+            </a:extLst>
+          </p:cNvPr>
+          <p:cNvPicPr/>
+          <p:nvPr/>
+        </p:nvPicPr>
+        <p:blipFill rotWithShape="1">
+          <a:blip r:embed="rId3">
+            <a:clrChange>
+              <a:clrFrom>
+                <a:srgbClr val="FFFFFF"/>
+              </a:clrFrom>
+              <a:clrTo>
+                <a:srgbClr val="FFFFFF">
+                  <a:alpha val="0"/>
+                </a:srgbClr>
+              </a:clrTo>
+            </a:clrChange>
+          </a:blip>
+          <a:srcRect l="66132" t="-457" b="60751"/>
+          <a:stretch/>
+        </p:blipFill>
+        <p:spPr>
+          <a:xfrm>
+            <a:off x="5760218" y="2131513"/>
+            <a:ext cx="3047703" cy="2502568"/>
+          </a:xfrm>
+          <a:prstGeom prst="rect">
+            <a:avLst/>
+          </a:prstGeom>
+          <a:ln>
+            <a:noFill/>
+          </a:ln>
+        </p:spPr>
+      </p:pic>
+      <p:pic>
+        <p:nvPicPr>
+          <p:cNvPr id="4" name="Picture 3">
+            <a:extLst>
+              <a:ext uri="{FF2B5EF4-FFF2-40B4-BE49-F238E27FC236}">
+                <a16:creationId xmlns:a16="http://schemas.microsoft.com/office/drawing/2014/main" id="{4271665B-1127-8368-0744-2841CE504B7A}"/>
+              </a:ext>
+            </a:extLst>
+          </p:cNvPr>
+          <p:cNvPicPr/>
+          <p:nvPr/>
+        </p:nvPicPr>
+        <p:blipFill>
+          <a:blip r:embed="rId4"/>
+          <a:srcRect l="18345" t="5120" r="20490" b="5251"/>
+          <a:stretch/>
+        </p:blipFill>
+        <p:spPr>
+          <a:xfrm>
+            <a:off x="8807921" y="2218140"/>
+            <a:ext cx="3047703" cy="2683781"/>
+          </a:xfrm>
+          <a:prstGeom prst="rect">
+            <a:avLst/>
+          </a:prstGeom>
+          <a:ln>
+            <a:noFill/>
+          </a:ln>
+        </p:spPr>
+      </p:pic>
+    </p:spTree>
+    <p:extLst>
+      <p:ext uri="{BB962C8B-B14F-4D97-AF65-F5344CB8AC3E}">
+        <p14:creationId xmlns:p14="http://schemas.microsoft.com/office/powerpoint/2010/main" val="447298161"/>
+      </p:ext>
+    </p:extLst>
+  </p:cSld>
+  <p:clrMapOvr>
+    <a:masterClrMapping/>
+  </p:clrMapOvr>
+  <p:timing>
+    <p:tnLst>
+      <p:par>
+        <p:cTn id="1" dur="indefinite" restart="never" nodeType="tmRoot">
+          <p:childTnLst>
+            <p:seq concurrent="1" nextAc="seek">
+              <p:cTn id="2" dur="indefinite" nodeType="mainSeq">
+                <p:childTnLst>
+                  <p:par>
+                    <p:cTn id="3" fill="hold">
+                      <p:stCondLst>
+                        <p:cond delay="indefinite"/>
+                      </p:stCondLst>
+                      <p:childTnLst>
+                        <p:par>
+                          <p:cTn id="4" fill="hold">
+                            <p:stCondLst>
+                              <p:cond delay="0"/>
+                            </p:stCondLst>
+                            <p:childTnLst>
+                              <p:par>
+                                <p:cTn id="5" presetID="2" presetClass="entr" presetSubtype="4" fill="hold" nodeType="clickEffect">
+                                  <p:stCondLst>
+                                    <p:cond delay="0"/>
+                                  </p:stCondLst>
+                                  <p:childTnLst>
+                                    <p:set>
+                                      <p:cBhvr>
+                                        <p:cTn id="6" dur="1" fill="hold">
+                                          <p:stCondLst>
+                                            <p:cond delay="0"/>
+                                          </p:stCondLst>
+                                        </p:cTn>
+                                        <p:tgtEl>
+                                          <p:spTgt spid="2"/>
+                                        </p:tgtEl>
+                                        <p:attrNameLst>
+                                          <p:attrName>style.visibility</p:attrName>
+                                        </p:attrNameLst>
+                                      </p:cBhvr>
+                                      <p:to>
+                                        <p:strVal val="visible"/>
+                                      </p:to>
+                                    </p:set>
+                                    <p:anim calcmode="lin" valueType="num">
+                                      <p:cBhvr additive="base">
+                                        <p:cTn id="7" dur="500" fill="hold"/>
+                                        <p:tgtEl>
+                                          <p:spTgt spid="2"/>
+                                        </p:tgtEl>
+                                        <p:attrNameLst>
+                                          <p:attrName>ppt_x</p:attrName>
+                                        </p:attrNameLst>
+                                      </p:cBhvr>
+                                      <p:tavLst>
+                                        <p:tav tm="0">
+                                          <p:val>
+                                            <p:strVal val="#ppt_x"/>
+                                          </p:val>
+                                        </p:tav>
+                                        <p:tav tm="100000">
+                                          <p:val>
+                                            <p:strVal val="#ppt_x"/>
+                                          </p:val>
+                                        </p:tav>
+                                      </p:tavLst>
+                                    </p:anim>
+                                    <p:anim calcmode="lin" valueType="num">
+                                      <p:cBhvr additive="base">
+                                        <p:cTn id="8" dur="500" fill="hold"/>
+                                        <p:tgtEl>
+                                          <p:spTgt spid="2"/>
+                                        </p:tgtEl>
+                                        <p:attrNameLst>
+                                          <p:attrName>ppt_y</p:attrName>
+                                        </p:attrNameLst>
+                                      </p:cBhvr>
+                                      <p:tavLst>
+                                        <p:tav tm="0">
+                                          <p:val>
+                                            <p:strVal val="1+#ppt_h/2"/>
+                                          </p:val>
+                                        </p:tav>
+                                        <p:tav tm="100000">
+                                          <p:val>
+                                            <p:strVal val="#ppt_y"/>
+                                          </p:val>
+                                        </p:tav>
+                                      </p:tavLst>
+                                    </p:anim>
+                                  </p:childTnLst>
+                                </p:cTn>
+                              </p:par>
+                            </p:childTnLst>
+                          </p:cTn>
+                        </p:par>
+                        <p:par>
+                          <p:cTn id="9" fill="hold">
+                            <p:stCondLst>
+                              <p:cond delay="500"/>
+                            </p:stCondLst>
+                            <p:childTnLst>
+                              <p:par>
+                                <p:cTn id="10" presetID="2" presetClass="entr" presetSubtype="1" fill="hold" nodeType="afterEffect">
+                                  <p:stCondLst>
+                                    <p:cond delay="0"/>
+                                  </p:stCondLst>
+                                  <p:childTnLst>
+                                    <p:set>
+                                      <p:cBhvr>
+                                        <p:cTn id="11" dur="1" fill="hold">
+                                          <p:stCondLst>
+                                            <p:cond delay="0"/>
+                                          </p:stCondLst>
+                                        </p:cTn>
+                                        <p:tgtEl>
+                                          <p:spTgt spid="3"/>
+                                        </p:tgtEl>
+                                        <p:attrNameLst>
+                                          <p:attrName>style.visibility</p:attrName>
+                                        </p:attrNameLst>
+                                      </p:cBhvr>
+                                      <p:to>
+                                        <p:strVal val="visible"/>
+                                      </p:to>
+                                    </p:set>
+                                    <p:anim calcmode="lin" valueType="num">
+                                      <p:cBhvr additive="base">
+                                        <p:cTn id="12" dur="500" fill="hold"/>
+                                        <p:tgtEl>
+                                          <p:spTgt spid="3"/>
+                                        </p:tgtEl>
+                                        <p:attrNameLst>
+                                          <p:attrName>ppt_x</p:attrName>
+                                        </p:attrNameLst>
+                                      </p:cBhvr>
+                                      <p:tavLst>
+                                        <p:tav tm="0">
+                                          <p:val>
+                                            <p:strVal val="#ppt_x"/>
+                                          </p:val>
+                                        </p:tav>
+                                        <p:tav tm="100000">
+                                          <p:val>
+                                            <p:strVal val="#ppt_x"/>
+                                          </p:val>
+                                        </p:tav>
+                                      </p:tavLst>
+                                    </p:anim>
+                                    <p:anim calcmode="lin" valueType="num">
+                                      <p:cBhvr additive="base">
+                                        <p:cTn id="13" dur="500" fill="hold"/>
+                                        <p:tgtEl>
+                                          <p:spTgt spid="3"/>
+                                        </p:tgtEl>
+                                        <p:attrNameLst>
+                                          <p:attrName>ppt_y</p:attrName>
+                                        </p:attrNameLst>
+                                      </p:cBhvr>
+                                      <p:tavLst>
+                                        <p:tav tm="0">
+                                          <p:val>
+                                            <p:strVal val="0-#ppt_h/2"/>
+                                          </p:val>
+                                        </p:tav>
+                                        <p:tav tm="100000">
+                                          <p:val>
+                                            <p:strVal val="#ppt_y"/>
+                                          </p:val>
+                                        </p:tav>
+                                      </p:tavLst>
+                                    </p:anim>
+                                  </p:childTnLst>
+                                </p:cTn>
+                              </p:par>
+                            </p:childTnLst>
+                          </p:cTn>
+                        </p:par>
+                        <p:par>
+                          <p:cTn id="14" fill="hold">
+                            <p:stCondLst>
+                              <p:cond delay="1000"/>
+                            </p:stCondLst>
+                            <p:childTnLst>
+                              <p:par>
+                                <p:cTn id="15" presetID="2" presetClass="entr" presetSubtype="4" fill="hold" nodeType="afterEffect">
+                                  <p:stCondLst>
+                                    <p:cond delay="0"/>
+                                  </p:stCondLst>
+                                  <p:childTnLst>
+                                    <p:set>
+                                      <p:cBhvr>
+                                        <p:cTn id="16" dur="1" fill="hold">
+                                          <p:stCondLst>
+                                            <p:cond delay="0"/>
+                                          </p:stCondLst>
+                                        </p:cTn>
+                                        <p:tgtEl>
+                                          <p:spTgt spid="4"/>
+                                        </p:tgtEl>
+                                        <p:attrNameLst>
+                                          <p:attrName>style.visibility</p:attrName>
+                                        </p:attrNameLst>
+                                      </p:cBhvr>
+                                      <p:to>
+                                        <p:strVal val="visible"/>
+                                      </p:to>
+                                    </p:set>
+                                    <p:anim calcmode="lin" valueType="num">
+                                      <p:cBhvr additive="base">
+                                        <p:cTn id="17" dur="500" fill="hold"/>
+                                        <p:tgtEl>
+                                          <p:spTgt spid="4"/>
+                                        </p:tgtEl>
+                                        <p:attrNameLst>
+                                          <p:attrName>ppt_x</p:attrName>
+                                        </p:attrNameLst>
+                                      </p:cBhvr>
+                                      <p:tavLst>
+                                        <p:tav tm="0">
+                                          <p:val>
+                                            <p:strVal val="#ppt_x"/>
+                                          </p:val>
+                                        </p:tav>
+                                        <p:tav tm="100000">
+                                          <p:val>
+                                            <p:strVal val="#ppt_x"/>
+                                          </p:val>
+                                        </p:tav>
+                                      </p:tavLst>
+                                    </p:anim>
+                                    <p:anim calcmode="lin" valueType="num">
+                                      <p:cBhvr additive="base">
+                                        <p:cTn id="18" dur="500" fill="hold"/>
+                                        <p:tgtEl>
+                                          <p:spTgt spid="4"/>
+                                        </p:tgtEl>
+                                        <p:attrNameLst>
+                                          <p:attrName>ppt_y</p:attrName>
+                                        </p:attrNameLst>
+                                      </p:cBhvr>
+                                      <p:tavLst>
+                                        <p:tav tm="0">
+                                          <p:val>
+                                            <p:strVal val="1+#ppt_h/2"/>
+                                          </p:val>
+                                        </p:tav>
+                                        <p:tav tm="100000">
+                                          <p:val>
+                                            <p:strVal val="#ppt_y"/>
+                                          </p:val>
+                                        </p:tav>
+                                      </p:tavLst>
+                                    </p:anim>
                                   </p:childTnLst>
                                 </p:cTn>
                               </p:par>
